--- a/project_01/docs/Heeter_ENGI301_project_01_proposal.pptx
+++ b/project_01/docs/Heeter_ENGI301_project_01_proposal.pptx
@@ -218,7 +218,7 @@
           <a:p>
             <a:fld id="{59041DB8-B66F-4DC8-A96E-33677E0F90FF}" type="datetimeFigureOut">
               <a:rPr lang="en-US" smtClean="0"/>
-              <a:t>9/25/23</a:t>
+              <a:t>10/1/23</a:t>
             </a:fld>
             <a:endParaRPr lang="en-US"/>
           </a:p>
@@ -383,7 +383,7 @@
           <a:p>
             <a:fld id="{DEB49C4A-65AC-492D-9701-81B46C3AD0E4}" type="datetimeFigureOut">
               <a:rPr lang="en-US" smtClean="0"/>
-              <a:t>9/25/23</a:t>
+              <a:t>10/1/23</a:t>
             </a:fld>
             <a:endParaRPr lang="en-US"/>
           </a:p>
@@ -2791,7 +2791,7 @@
           <a:p>
             <a:fld id="{384A29A4-78C8-47AB-BA06-22CB45938951}" type="datetime1">
               <a:rPr lang="en-US" smtClean="0"/>
-              <a:t>9/25/23</a:t>
+              <a:t>10/1/23</a:t>
             </a:fld>
             <a:endParaRPr lang="en-US"/>
           </a:p>
@@ -2986,7 +2986,7 @@
           <a:p>
             <a:fld id="{E1ED4ACF-2D82-46F2-A8E9-23963AA34E86}" type="datetime1">
               <a:rPr lang="en-US" smtClean="0"/>
-              <a:t>9/25/23</a:t>
+              <a:t>10/1/23</a:t>
             </a:fld>
             <a:endParaRPr lang="en-US"/>
           </a:p>
@@ -3180,7 +3180,7 @@
           <a:p>
             <a:fld id="{AE374B5B-21A0-4192-BF4C-38187F1A68D8}" type="datetime1">
               <a:rPr lang="en-US" smtClean="0"/>
-              <a:t>9/25/23</a:t>
+              <a:t>10/1/23</a:t>
             </a:fld>
             <a:endParaRPr lang="en-US"/>
           </a:p>
@@ -5521,7 +5521,7 @@
           <a:p>
             <a:fld id="{33B5CF7C-B333-48E1-A4A6-83A3C8B73AC0}" type="datetime1">
               <a:rPr lang="en-US" smtClean="0"/>
-              <a:t>9/25/23</a:t>
+              <a:t>10/1/23</a:t>
             </a:fld>
             <a:endParaRPr lang="en-US"/>
           </a:p>
@@ -5974,7 +5974,7 @@
           <a:p>
             <a:fld id="{AE320762-5CBF-4210-AB54-376B091119F8}" type="datetime1">
               <a:rPr lang="en-US" smtClean="0"/>
-              <a:t>9/25/23</a:t>
+              <a:t>10/1/23</a:t>
             </a:fld>
             <a:endParaRPr lang="en-US"/>
           </a:p>
@@ -6106,7 +6106,7 @@
           <a:p>
             <a:fld id="{7F0DB371-BF5F-4058-A212-1A908E4D2674}" type="datetime1">
               <a:rPr lang="en-US" smtClean="0"/>
-              <a:t>9/25/23</a:t>
+              <a:t>10/1/23</a:t>
             </a:fld>
             <a:endParaRPr lang="en-US"/>
           </a:p>
@@ -8039,7 +8039,7 @@
           <a:p>
             <a:fld id="{60A4083B-90AA-48CF-BAD5-00AA24D7F288}" type="datetime1">
               <a:rPr lang="en-US" smtClean="0"/>
-              <a:t>9/25/23</a:t>
+              <a:t>10/1/23</a:t>
             </a:fld>
             <a:endParaRPr lang="en-US"/>
           </a:p>
@@ -10298,7 +10298,7 @@
             <a:fld id="{F5BAF629-ECA2-4CF3-B790-9D9BDED98269}" type="datetime1">
               <a:rPr lang="en-US" smtClean="0"/>
               <a:pPr/>
-              <a:t>9/25/23</a:t>
+              <a:t>10/1/23</a:t>
             </a:fld>
             <a:endParaRPr lang="en-US"/>
           </a:p>
@@ -14593,7 +14593,7 @@
             <a:fld id="{B51B2453-8663-4C69-AF73-9FD7B1DEC5D0}" type="datetime1">
               <a:rPr lang="en-US" smtClean="0"/>
               <a:pPr/>
-              <a:t>9/25/23</a:t>
+              <a:t>10/1/23</a:t>
             </a:fld>
             <a:endParaRPr lang="en-US" dirty="0"/>
           </a:p>
@@ -15082,7 +15082,7 @@
             </a:br>
             <a:r>
               <a:rPr lang="en-US" sz="6000" dirty="0"/>
-              <a:t>Minimalist Wi-Fi LED Ticker Board Proposal</a:t>
+              <a:t>Minimal Wi-Fi LED Widget Ticker Board Proposal</a:t>
             </a:r>
             <a:endParaRPr lang="en-US" dirty="0"/>
           </a:p>
@@ -15110,7 +15110,7 @@
           <a:p>
             <a:r>
               <a:rPr lang="en-US" dirty="0"/>
-              <a:t>09.25.2023</a:t>
+              <a:t>10/01/2023</a:t>
             </a:r>
           </a:p>
           <a:p>
@@ -15210,7 +15210,7 @@
         <p:spPr/>
         <p:txBody>
           <a:bodyPr>
-            <a:normAutofit fontScale="92500"/>
+            <a:normAutofit fontScale="92500" lnSpcReduction="10000"/>
           </a:bodyPr>
           <a:lstStyle/>
           <a:p>
@@ -15219,7 +15219,7 @@
             </a:pPr>
             <a:r>
               <a:rPr lang="en-US" dirty="0"/>
-              <a:t>In an age where messages and media are shared instantly and young adults spend hours before screens, retro-style low-resolution displays have caught my attention as a medium to stay connected and informed but not overwhelmed or distracted. The company </a:t>
+              <a:t>In an age where messages and media are shared instantly and young adults spend hours before screens, retro-style low-resolution displays have caught my attention as a medium to stay connected and informed but not overwhelmed and distracted. The company </a:t>
             </a:r>
             <a:r>
               <a:rPr lang="en-US" dirty="0" err="1"/>
@@ -15233,7 +15233,7 @@
               <a:rPr lang="en-US" dirty="0">
                 <a:hlinkClick r:id="rId2"/>
               </a:rPr>
-              <a:t>https://tidbyt.com/products/tidbyt</a:t>
+              <a:t>https://tidbyt.com</a:t>
             </a:r>
             <a:r>
               <a:rPr lang="en-US" dirty="0"/>
@@ -15245,7 +15245,7 @@
             </a:r>
             <a:r>
               <a:rPr lang="en-US" dirty="0"/>
-              <a:t>, though I am still deciding the specific software functionality. Some ideas include:</a:t>
+              <a:t>, with open-source support for multiple widgets (i.e. via a menu system). Some widgets that may be designed include:</a:t>
             </a:r>
           </a:p>
           <a:p>
@@ -15293,7 +15293,7 @@
           <a:p>
             <a:r>
               <a:rPr lang="en-US" dirty="0"/>
-              <a:t>A current city weather display board with indoor temperature and humidity measurement using the National Weather Service’s API (see </a:t>
+              <a:t>A current city weather display board, possibly with indoor temperature and humidity measurements) using the National Weather Service’s API (see </a:t>
             </a:r>
             <a:r>
               <a:rPr lang="en-US" dirty="0">
@@ -15303,7 +15303,7 @@
             </a:r>
             <a:r>
               <a:rPr lang="en-US" dirty="0"/>
-              <a:t>).</a:t>
+              <a:t>) and sensors.</a:t>
             </a:r>
           </a:p>
           <a:p>
@@ -15786,7 +15786,7 @@
             <a:pPr algn="ctr"/>
             <a:r>
               <a:rPr lang="en-US" dirty="0"/>
-              <a:t>AHT10 temp/humidity sensor (?)</a:t>
+              <a:t>AHT10 temp/humidity sensor</a:t>
             </a:r>
           </a:p>
         </p:txBody>
@@ -15805,8 +15805,8 @@
         </p:nvSpPr>
         <p:spPr>
           <a:xfrm>
-            <a:off x="4861117" y="945280"/>
-            <a:ext cx="1943100" cy="838200"/>
+            <a:off x="3848105" y="346832"/>
+            <a:ext cx="3124196" cy="1436648"/>
           </a:xfrm>
           <a:prstGeom prst="rect">
             <a:avLst/>
@@ -15835,7 +15835,28 @@
             <a:pPr algn="ctr"/>
             <a:r>
               <a:rPr lang="en-US" dirty="0"/>
-              <a:t>Push button (?)</a:t>
+              <a:t>Momentary push buttons x5:</a:t>
+            </a:r>
+          </a:p>
+          <a:p>
+            <a:pPr algn="ctr"/>
+            <a:r>
+              <a:rPr lang="en-US" dirty="0"/>
+              <a:t>2x for widget cycling forward/backward</a:t>
+            </a:r>
+          </a:p>
+          <a:p>
+            <a:pPr algn="ctr"/>
+            <a:r>
+              <a:rPr lang="en-US" dirty="0"/>
+              <a:t>2x for brightness up/down</a:t>
+            </a:r>
+          </a:p>
+          <a:p>
+            <a:pPr algn="ctr"/>
+            <a:r>
+              <a:rPr lang="en-US" dirty="0"/>
+              <a:t>1x for power on/off</a:t>
             </a:r>
           </a:p>
         </p:txBody>
@@ -16729,7 +16750,7 @@
             </a:pPr>
             <a:r>
               <a:rPr lang="en-US" sz="1600" dirty="0"/>
-              <a:t>GPIO</a:t>
+              <a:t>5 GPIO</a:t>
             </a:r>
           </a:p>
         </p:txBody>
@@ -18206,6 +18227,12 @@
           <a:prstGeom prst="rect">
             <a:avLst/>
           </a:prstGeom>
+          <a:solidFill>
+            <a:schemeClr val="tx2">
+              <a:lumMod val="60000"/>
+              <a:lumOff val="40000"/>
+            </a:schemeClr>
+          </a:solidFill>
         </p:spPr>
         <p:style>
           <a:lnRef idx="2">
@@ -18230,7 +18257,7 @@
             <a:pPr algn="ctr"/>
             <a:r>
               <a:rPr lang="en-US" dirty="0"/>
-              <a:t>AHT10 temp/humidity sensor (?)</a:t>
+              <a:t>AHT10 temp/humidity sensor</a:t>
             </a:r>
           </a:p>
         </p:txBody>
@@ -18255,6 +18282,12 @@
           <a:prstGeom prst="rect">
             <a:avLst/>
           </a:prstGeom>
+          <a:solidFill>
+            <a:schemeClr val="tx2">
+              <a:lumMod val="60000"/>
+              <a:lumOff val="40000"/>
+            </a:schemeClr>
+          </a:solidFill>
         </p:spPr>
         <p:style>
           <a:lnRef idx="2">
@@ -18279,7 +18312,7 @@
             <a:pPr algn="ctr"/>
             <a:r>
               <a:rPr lang="en-US" dirty="0"/>
-              <a:t>Push button (?)</a:t>
+              <a:t>Momentary push buttons x5</a:t>
             </a:r>
           </a:p>
         </p:txBody>
@@ -18517,6 +18550,12 @@
             <a:avLst/>
           </a:prstGeom>
           <a:ln w="38100">
+            <a:solidFill>
+              <a:schemeClr val="tx2">
+                <a:lumMod val="60000"/>
+                <a:lumOff val="40000"/>
+              </a:schemeClr>
+            </a:solidFill>
             <a:headEnd type="triangle" w="med" len="med"/>
             <a:tailEnd type="none" w="med" len="med"/>
           </a:ln>
@@ -18559,6 +18598,12 @@
             <a:avLst/>
           </a:prstGeom>
           <a:ln w="38100">
+            <a:solidFill>
+              <a:schemeClr val="tx2">
+                <a:lumMod val="60000"/>
+                <a:lumOff val="40000"/>
+              </a:schemeClr>
+            </a:solidFill>
             <a:headEnd type="triangle" w="med" len="med"/>
             <a:tailEnd type="none" w="med" len="med"/>
           </a:ln>
@@ -18917,7 +18962,7 @@
             </a:pPr>
             <a:r>
               <a:rPr lang="en-US" sz="1600" dirty="0"/>
-              <a:t>USB1 bus</a:t>
+              <a:t>5V</a:t>
             </a:r>
           </a:p>
         </p:txBody>
@@ -19174,262 +19219,6 @@
             <a:r>
               <a:rPr lang="en-US" sz="1600" dirty="0"/>
               <a:t>5V/230mA</a:t>
-            </a:r>
-          </a:p>
-        </p:txBody>
-      </p:sp>
-      <p:sp>
-        <p:nvSpPr>
-          <p:cNvPr id="51" name="Content Placeholder 2">
-            <a:extLst>
-              <a:ext uri="{FF2B5EF4-FFF2-40B4-BE49-F238E27FC236}">
-                <a16:creationId xmlns:a16="http://schemas.microsoft.com/office/drawing/2014/main" id="{F8FFEF8A-EB75-F3C0-FB82-35C087B8E490}"/>
-              </a:ext>
-            </a:extLst>
-          </p:cNvPr>
-          <p:cNvSpPr txBox="1">
-            <a:spLocks/>
-          </p:cNvSpPr>
-          <p:nvPr/>
-        </p:nvSpPr>
-        <p:spPr>
-          <a:xfrm>
-            <a:off x="6339052" y="3509795"/>
-            <a:ext cx="1189551" cy="725211"/>
-          </a:xfrm>
-          <a:prstGeom prst="rect">
-            <a:avLst/>
-          </a:prstGeom>
-        </p:spPr>
-        <p:txBody>
-          <a:bodyPr vert="horz" lIns="91440" tIns="45720" rIns="91440" bIns="45720" rtlCol="0">
-            <a:normAutofit/>
-          </a:bodyPr>
-          <a:lstStyle>
-            <a:lvl1pPr marL="228600" indent="-228600" algn="l" defTabSz="914400" rtl="0" eaLnBrk="1" latinLnBrk="0" hangingPunct="1">
-              <a:lnSpc>
-                <a:spcPct val="90000"/>
-              </a:lnSpc>
-              <a:spcBef>
-                <a:spcPts val="1800"/>
-              </a:spcBef>
-              <a:buClr>
-                <a:schemeClr val="accent1">
-                  <a:lumMod val="75000"/>
-                </a:schemeClr>
-              </a:buClr>
-              <a:buSzPct val="100000"/>
-              <a:buFont typeface="Arial" pitchFamily="34" charset="0"/>
-              <a:buChar char="▪"/>
-              <a:defRPr sz="2000" kern="1200">
-                <a:solidFill>
-                  <a:schemeClr val="tx1"/>
-                </a:solidFill>
-                <a:latin typeface="+mn-lt"/>
-                <a:ea typeface="+mn-ea"/>
-                <a:cs typeface="+mn-cs"/>
-              </a:defRPr>
-            </a:lvl1pPr>
-            <a:lvl2pPr marL="457200" indent="-182880" algn="l" defTabSz="914400" rtl="0" eaLnBrk="1" latinLnBrk="0" hangingPunct="1">
-              <a:lnSpc>
-                <a:spcPct val="90000"/>
-              </a:lnSpc>
-              <a:spcBef>
-                <a:spcPts val="1200"/>
-              </a:spcBef>
-              <a:buClr>
-                <a:schemeClr val="accent1">
-                  <a:lumMod val="75000"/>
-                </a:schemeClr>
-              </a:buClr>
-              <a:buSzPct val="100000"/>
-              <a:buFont typeface="Arial" pitchFamily="34" charset="0"/>
-              <a:buChar char="▪"/>
-              <a:defRPr sz="1800" kern="1200">
-                <a:solidFill>
-                  <a:schemeClr val="tx1"/>
-                </a:solidFill>
-                <a:latin typeface="+mn-lt"/>
-                <a:ea typeface="+mn-ea"/>
-                <a:cs typeface="+mn-cs"/>
-              </a:defRPr>
-            </a:lvl2pPr>
-            <a:lvl3pPr marL="685800" indent="-179388" algn="l" defTabSz="914400" rtl="0" eaLnBrk="1" latinLnBrk="0" hangingPunct="1">
-              <a:lnSpc>
-                <a:spcPct val="90000"/>
-              </a:lnSpc>
-              <a:spcBef>
-                <a:spcPts val="800"/>
-              </a:spcBef>
-              <a:buClr>
-                <a:schemeClr val="accent1">
-                  <a:lumMod val="75000"/>
-                </a:schemeClr>
-              </a:buClr>
-              <a:buSzPct val="100000"/>
-              <a:buFont typeface="Arial" pitchFamily="34" charset="0"/>
-              <a:buChar char="▪"/>
-              <a:defRPr sz="1600" kern="1200">
-                <a:solidFill>
-                  <a:schemeClr val="tx1"/>
-                </a:solidFill>
-                <a:latin typeface="+mn-lt"/>
-                <a:ea typeface="+mn-ea"/>
-                <a:cs typeface="+mn-cs"/>
-              </a:defRPr>
-            </a:lvl3pPr>
-            <a:lvl4pPr marL="914400" indent="-182880" algn="l" defTabSz="914400" rtl="0" eaLnBrk="1" latinLnBrk="0" hangingPunct="1">
-              <a:lnSpc>
-                <a:spcPct val="90000"/>
-              </a:lnSpc>
-              <a:spcBef>
-                <a:spcPts val="800"/>
-              </a:spcBef>
-              <a:buClr>
-                <a:schemeClr val="accent1">
-                  <a:lumMod val="75000"/>
-                </a:schemeClr>
-              </a:buClr>
-              <a:buSzPct val="100000"/>
-              <a:buFont typeface="Arial" pitchFamily="34" charset="0"/>
-              <a:buChar char="▪"/>
-              <a:defRPr sz="1400" kern="1200">
-                <a:solidFill>
-                  <a:schemeClr val="tx1"/>
-                </a:solidFill>
-                <a:latin typeface="+mn-lt"/>
-                <a:ea typeface="+mn-ea"/>
-                <a:cs typeface="+mn-cs"/>
-              </a:defRPr>
-            </a:lvl4pPr>
-            <a:lvl5pPr marL="1143000" indent="-179388" algn="l" defTabSz="914400" rtl="0" eaLnBrk="1" latinLnBrk="0" hangingPunct="1">
-              <a:lnSpc>
-                <a:spcPct val="90000"/>
-              </a:lnSpc>
-              <a:spcBef>
-                <a:spcPts val="600"/>
-              </a:spcBef>
-              <a:buClr>
-                <a:schemeClr val="accent1">
-                  <a:lumMod val="75000"/>
-                </a:schemeClr>
-              </a:buClr>
-              <a:buSzPct val="100000"/>
-              <a:buFont typeface="Arial" pitchFamily="34" charset="0"/>
-              <a:buChar char="▪"/>
-              <a:defRPr sz="1400" kern="1200">
-                <a:solidFill>
-                  <a:schemeClr val="tx1"/>
-                </a:solidFill>
-                <a:latin typeface="+mn-lt"/>
-                <a:ea typeface="+mn-ea"/>
-                <a:cs typeface="+mn-cs"/>
-              </a:defRPr>
-            </a:lvl5pPr>
-            <a:lvl6pPr marL="1371600" indent="-182880" algn="l" defTabSz="914400" rtl="0" eaLnBrk="1" latinLnBrk="0" hangingPunct="1">
-              <a:lnSpc>
-                <a:spcPct val="90000"/>
-              </a:lnSpc>
-              <a:spcBef>
-                <a:spcPts val="600"/>
-              </a:spcBef>
-              <a:buClr>
-                <a:schemeClr val="accent1">
-                  <a:lumMod val="75000"/>
-                </a:schemeClr>
-              </a:buClr>
-              <a:buSzPct val="100000"/>
-              <a:buFont typeface="Arial" pitchFamily="34" charset="0"/>
-              <a:buChar char="▪"/>
-              <a:defRPr sz="1400" kern="1200">
-                <a:solidFill>
-                  <a:schemeClr val="tx1"/>
-                </a:solidFill>
-                <a:latin typeface="+mn-lt"/>
-                <a:ea typeface="+mn-ea"/>
-                <a:cs typeface="+mn-cs"/>
-              </a:defRPr>
-            </a:lvl6pPr>
-            <a:lvl7pPr marL="1600200" indent="-179388" algn="l" defTabSz="914400" rtl="0" eaLnBrk="1" latinLnBrk="0" hangingPunct="1">
-              <a:lnSpc>
-                <a:spcPct val="90000"/>
-              </a:lnSpc>
-              <a:spcBef>
-                <a:spcPts val="600"/>
-              </a:spcBef>
-              <a:buClr>
-                <a:schemeClr val="accent1">
-                  <a:lumMod val="75000"/>
-                </a:schemeClr>
-              </a:buClr>
-              <a:buSzPct val="100000"/>
-              <a:buFont typeface="Arial" pitchFamily="34" charset="0"/>
-              <a:buChar char="▪"/>
-              <a:defRPr sz="1400" kern="1200">
-                <a:solidFill>
-                  <a:schemeClr val="tx1"/>
-                </a:solidFill>
-                <a:latin typeface="+mn-lt"/>
-                <a:ea typeface="+mn-ea"/>
-                <a:cs typeface="+mn-cs"/>
-              </a:defRPr>
-            </a:lvl7pPr>
-            <a:lvl8pPr marL="1828800" indent="-182880" algn="l" defTabSz="914400" rtl="0" eaLnBrk="1" latinLnBrk="0" hangingPunct="1">
-              <a:lnSpc>
-                <a:spcPct val="90000"/>
-              </a:lnSpc>
-              <a:spcBef>
-                <a:spcPts val="600"/>
-              </a:spcBef>
-              <a:buClr>
-                <a:schemeClr val="accent1">
-                  <a:lumMod val="75000"/>
-                </a:schemeClr>
-              </a:buClr>
-              <a:buSzPct val="100000"/>
-              <a:buFont typeface="Arial" pitchFamily="34" charset="0"/>
-              <a:buChar char="▪"/>
-              <a:defRPr sz="1400" kern="1200">
-                <a:solidFill>
-                  <a:schemeClr val="tx1"/>
-                </a:solidFill>
-                <a:latin typeface="+mn-lt"/>
-                <a:ea typeface="+mn-ea"/>
-                <a:cs typeface="+mn-cs"/>
-              </a:defRPr>
-            </a:lvl8pPr>
-            <a:lvl9pPr marL="1878012" indent="0" algn="l" defTabSz="914400" rtl="0" eaLnBrk="1" latinLnBrk="0" hangingPunct="1">
-              <a:lnSpc>
-                <a:spcPct val="90000"/>
-              </a:lnSpc>
-              <a:spcBef>
-                <a:spcPts val="600"/>
-              </a:spcBef>
-              <a:buClr>
-                <a:schemeClr val="accent1">
-                  <a:lumMod val="75000"/>
-                </a:schemeClr>
-              </a:buClr>
-              <a:buSzPct val="100000"/>
-              <a:buFont typeface="Arial" pitchFamily="34" charset="0"/>
-              <a:buNone/>
-              <a:defRPr sz="1400" kern="1200">
-                <a:solidFill>
-                  <a:schemeClr val="tx1"/>
-                </a:solidFill>
-                <a:latin typeface="+mn-lt"/>
-                <a:ea typeface="+mn-ea"/>
-                <a:cs typeface="+mn-cs"/>
-              </a:defRPr>
-            </a:lvl9pPr>
-          </a:lstStyle>
-          <a:p>
-            <a:pPr marL="0" indent="0">
-              <a:buNone/>
-            </a:pPr>
-            <a:r>
-              <a:rPr lang="en-US" sz="1600" dirty="0"/>
-              <a:t>GPIO</a:t>
             </a:r>
           </a:p>
         </p:txBody>
@@ -20198,6 +19987,532 @@
             <a:r>
               <a:rPr lang="en-US" sz="1600" dirty="0"/>
               <a:t>3.3V</a:t>
+            </a:r>
+          </a:p>
+        </p:txBody>
+      </p:sp>
+      <p:sp>
+        <p:nvSpPr>
+          <p:cNvPr id="13" name="Content Placeholder 2">
+            <a:extLst>
+              <a:ext uri="{FF2B5EF4-FFF2-40B4-BE49-F238E27FC236}">
+                <a16:creationId xmlns:a16="http://schemas.microsoft.com/office/drawing/2014/main" id="{79CB4D19-377F-AA58-DB5D-C303E3E921B1}"/>
+              </a:ext>
+            </a:extLst>
+          </p:cNvPr>
+          <p:cNvSpPr txBox="1">
+            <a:spLocks/>
+          </p:cNvSpPr>
+          <p:nvPr/>
+        </p:nvSpPr>
+        <p:spPr>
+          <a:xfrm>
+            <a:off x="6347503" y="430219"/>
+            <a:ext cx="2362200" cy="457201"/>
+          </a:xfrm>
+          <a:prstGeom prst="rect">
+            <a:avLst/>
+          </a:prstGeom>
+        </p:spPr>
+        <p:txBody>
+          <a:bodyPr vert="horz" lIns="91440" tIns="45720" rIns="91440" bIns="45720" rtlCol="0">
+            <a:normAutofit/>
+          </a:bodyPr>
+          <a:lstStyle>
+            <a:lvl1pPr marL="228600" indent="-228600" algn="l" defTabSz="914400" rtl="0" eaLnBrk="1" latinLnBrk="0" hangingPunct="1">
+              <a:lnSpc>
+                <a:spcPct val="90000"/>
+              </a:lnSpc>
+              <a:spcBef>
+                <a:spcPts val="1800"/>
+              </a:spcBef>
+              <a:buClr>
+                <a:schemeClr val="accent1">
+                  <a:lumMod val="75000"/>
+                </a:schemeClr>
+              </a:buClr>
+              <a:buSzPct val="100000"/>
+              <a:buFont typeface="Arial" pitchFamily="34" charset="0"/>
+              <a:buChar char="▪"/>
+              <a:defRPr sz="2000" kern="1200">
+                <a:solidFill>
+                  <a:schemeClr val="tx1"/>
+                </a:solidFill>
+                <a:latin typeface="+mn-lt"/>
+                <a:ea typeface="+mn-ea"/>
+                <a:cs typeface="+mn-cs"/>
+              </a:defRPr>
+            </a:lvl1pPr>
+            <a:lvl2pPr marL="457200" indent="-182880" algn="l" defTabSz="914400" rtl="0" eaLnBrk="1" latinLnBrk="0" hangingPunct="1">
+              <a:lnSpc>
+                <a:spcPct val="90000"/>
+              </a:lnSpc>
+              <a:spcBef>
+                <a:spcPts val="1200"/>
+              </a:spcBef>
+              <a:buClr>
+                <a:schemeClr val="accent1">
+                  <a:lumMod val="75000"/>
+                </a:schemeClr>
+              </a:buClr>
+              <a:buSzPct val="100000"/>
+              <a:buFont typeface="Arial" pitchFamily="34" charset="0"/>
+              <a:buChar char="▪"/>
+              <a:defRPr sz="1800" kern="1200">
+                <a:solidFill>
+                  <a:schemeClr val="tx1"/>
+                </a:solidFill>
+                <a:latin typeface="+mn-lt"/>
+                <a:ea typeface="+mn-ea"/>
+                <a:cs typeface="+mn-cs"/>
+              </a:defRPr>
+            </a:lvl2pPr>
+            <a:lvl3pPr marL="685800" indent="-179388" algn="l" defTabSz="914400" rtl="0" eaLnBrk="1" latinLnBrk="0" hangingPunct="1">
+              <a:lnSpc>
+                <a:spcPct val="90000"/>
+              </a:lnSpc>
+              <a:spcBef>
+                <a:spcPts val="800"/>
+              </a:spcBef>
+              <a:buClr>
+                <a:schemeClr val="accent1">
+                  <a:lumMod val="75000"/>
+                </a:schemeClr>
+              </a:buClr>
+              <a:buSzPct val="100000"/>
+              <a:buFont typeface="Arial" pitchFamily="34" charset="0"/>
+              <a:buChar char="▪"/>
+              <a:defRPr sz="1600" kern="1200">
+                <a:solidFill>
+                  <a:schemeClr val="tx1"/>
+                </a:solidFill>
+                <a:latin typeface="+mn-lt"/>
+                <a:ea typeface="+mn-ea"/>
+                <a:cs typeface="+mn-cs"/>
+              </a:defRPr>
+            </a:lvl3pPr>
+            <a:lvl4pPr marL="914400" indent="-182880" algn="l" defTabSz="914400" rtl="0" eaLnBrk="1" latinLnBrk="0" hangingPunct="1">
+              <a:lnSpc>
+                <a:spcPct val="90000"/>
+              </a:lnSpc>
+              <a:spcBef>
+                <a:spcPts val="800"/>
+              </a:spcBef>
+              <a:buClr>
+                <a:schemeClr val="accent1">
+                  <a:lumMod val="75000"/>
+                </a:schemeClr>
+              </a:buClr>
+              <a:buSzPct val="100000"/>
+              <a:buFont typeface="Arial" pitchFamily="34" charset="0"/>
+              <a:buChar char="▪"/>
+              <a:defRPr sz="1400" kern="1200">
+                <a:solidFill>
+                  <a:schemeClr val="tx1"/>
+                </a:solidFill>
+                <a:latin typeface="+mn-lt"/>
+                <a:ea typeface="+mn-ea"/>
+                <a:cs typeface="+mn-cs"/>
+              </a:defRPr>
+            </a:lvl4pPr>
+            <a:lvl5pPr marL="1143000" indent="-179388" algn="l" defTabSz="914400" rtl="0" eaLnBrk="1" latinLnBrk="0" hangingPunct="1">
+              <a:lnSpc>
+                <a:spcPct val="90000"/>
+              </a:lnSpc>
+              <a:spcBef>
+                <a:spcPts val="600"/>
+              </a:spcBef>
+              <a:buClr>
+                <a:schemeClr val="accent1">
+                  <a:lumMod val="75000"/>
+                </a:schemeClr>
+              </a:buClr>
+              <a:buSzPct val="100000"/>
+              <a:buFont typeface="Arial" pitchFamily="34" charset="0"/>
+              <a:buChar char="▪"/>
+              <a:defRPr sz="1400" kern="1200">
+                <a:solidFill>
+                  <a:schemeClr val="tx1"/>
+                </a:solidFill>
+                <a:latin typeface="+mn-lt"/>
+                <a:ea typeface="+mn-ea"/>
+                <a:cs typeface="+mn-cs"/>
+              </a:defRPr>
+            </a:lvl5pPr>
+            <a:lvl6pPr marL="1371600" indent="-182880" algn="l" defTabSz="914400" rtl="0" eaLnBrk="1" latinLnBrk="0" hangingPunct="1">
+              <a:lnSpc>
+                <a:spcPct val="90000"/>
+              </a:lnSpc>
+              <a:spcBef>
+                <a:spcPts val="600"/>
+              </a:spcBef>
+              <a:buClr>
+                <a:schemeClr val="accent1">
+                  <a:lumMod val="75000"/>
+                </a:schemeClr>
+              </a:buClr>
+              <a:buSzPct val="100000"/>
+              <a:buFont typeface="Arial" pitchFamily="34" charset="0"/>
+              <a:buChar char="▪"/>
+              <a:defRPr sz="1400" kern="1200">
+                <a:solidFill>
+                  <a:schemeClr val="tx1"/>
+                </a:solidFill>
+                <a:latin typeface="+mn-lt"/>
+                <a:ea typeface="+mn-ea"/>
+                <a:cs typeface="+mn-cs"/>
+              </a:defRPr>
+            </a:lvl6pPr>
+            <a:lvl7pPr marL="1600200" indent="-179388" algn="l" defTabSz="914400" rtl="0" eaLnBrk="1" latinLnBrk="0" hangingPunct="1">
+              <a:lnSpc>
+                <a:spcPct val="90000"/>
+              </a:lnSpc>
+              <a:spcBef>
+                <a:spcPts val="600"/>
+              </a:spcBef>
+              <a:buClr>
+                <a:schemeClr val="accent1">
+                  <a:lumMod val="75000"/>
+                </a:schemeClr>
+              </a:buClr>
+              <a:buSzPct val="100000"/>
+              <a:buFont typeface="Arial" pitchFamily="34" charset="0"/>
+              <a:buChar char="▪"/>
+              <a:defRPr sz="1400" kern="1200">
+                <a:solidFill>
+                  <a:schemeClr val="tx1"/>
+                </a:solidFill>
+                <a:latin typeface="+mn-lt"/>
+                <a:ea typeface="+mn-ea"/>
+                <a:cs typeface="+mn-cs"/>
+              </a:defRPr>
+            </a:lvl7pPr>
+            <a:lvl8pPr marL="1828800" indent="-182880" algn="l" defTabSz="914400" rtl="0" eaLnBrk="1" latinLnBrk="0" hangingPunct="1">
+              <a:lnSpc>
+                <a:spcPct val="90000"/>
+              </a:lnSpc>
+              <a:spcBef>
+                <a:spcPts val="600"/>
+              </a:spcBef>
+              <a:buClr>
+                <a:schemeClr val="accent1">
+                  <a:lumMod val="75000"/>
+                </a:schemeClr>
+              </a:buClr>
+              <a:buSzPct val="100000"/>
+              <a:buFont typeface="Arial" pitchFamily="34" charset="0"/>
+              <a:buChar char="▪"/>
+              <a:defRPr sz="1400" kern="1200">
+                <a:solidFill>
+                  <a:schemeClr val="tx1"/>
+                </a:solidFill>
+                <a:latin typeface="+mn-lt"/>
+                <a:ea typeface="+mn-ea"/>
+                <a:cs typeface="+mn-cs"/>
+              </a:defRPr>
+            </a:lvl8pPr>
+            <a:lvl9pPr marL="1878012" indent="0" algn="l" defTabSz="914400" rtl="0" eaLnBrk="1" latinLnBrk="0" hangingPunct="1">
+              <a:lnSpc>
+                <a:spcPct val="90000"/>
+              </a:lnSpc>
+              <a:spcBef>
+                <a:spcPts val="600"/>
+              </a:spcBef>
+              <a:buClr>
+                <a:schemeClr val="accent1">
+                  <a:lumMod val="75000"/>
+                </a:schemeClr>
+              </a:buClr>
+              <a:buSzPct val="100000"/>
+              <a:buFont typeface="Arial" pitchFamily="34" charset="0"/>
+              <a:buNone/>
+              <a:defRPr sz="1400" kern="1200">
+                <a:solidFill>
+                  <a:schemeClr val="tx1"/>
+                </a:solidFill>
+                <a:latin typeface="+mn-lt"/>
+                <a:ea typeface="+mn-ea"/>
+                <a:cs typeface="+mn-cs"/>
+              </a:defRPr>
+            </a:lvl9pPr>
+          </a:lstStyle>
+          <a:p>
+            <a:pPr marL="0" indent="0">
+              <a:buNone/>
+            </a:pPr>
+            <a:r>
+              <a:rPr lang="en-US" sz="1600" b="1" dirty="0">
+                <a:solidFill>
+                  <a:schemeClr val="tx2">
+                    <a:lumMod val="60000"/>
+                    <a:lumOff val="40000"/>
+                  </a:schemeClr>
+                </a:solidFill>
+              </a:rPr>
+              <a:t>3.3V domain</a:t>
+            </a:r>
+          </a:p>
+        </p:txBody>
+      </p:sp>
+      <p:sp>
+        <p:nvSpPr>
+          <p:cNvPr id="15" name="Content Placeholder 2">
+            <a:extLst>
+              <a:ext uri="{FF2B5EF4-FFF2-40B4-BE49-F238E27FC236}">
+                <a16:creationId xmlns:a16="http://schemas.microsoft.com/office/drawing/2014/main" id="{C83BADFB-42E1-7BAB-5460-ED08145C9C42}"/>
+              </a:ext>
+            </a:extLst>
+          </p:cNvPr>
+          <p:cNvSpPr txBox="1">
+            <a:spLocks/>
+          </p:cNvSpPr>
+          <p:nvPr/>
+        </p:nvSpPr>
+        <p:spPr>
+          <a:xfrm>
+            <a:off x="7288269" y="4277701"/>
+            <a:ext cx="2362200" cy="457201"/>
+          </a:xfrm>
+          <a:prstGeom prst="rect">
+            <a:avLst/>
+          </a:prstGeom>
+          <a:ln>
+            <a:noFill/>
+          </a:ln>
+        </p:spPr>
+        <p:txBody>
+          <a:bodyPr vert="horz" lIns="91440" tIns="45720" rIns="91440" bIns="45720" rtlCol="0">
+            <a:normAutofit/>
+          </a:bodyPr>
+          <a:lstStyle>
+            <a:lvl1pPr marL="228600" indent="-228600" algn="l" defTabSz="914400" rtl="0" eaLnBrk="1" latinLnBrk="0" hangingPunct="1">
+              <a:lnSpc>
+                <a:spcPct val="90000"/>
+              </a:lnSpc>
+              <a:spcBef>
+                <a:spcPts val="1800"/>
+              </a:spcBef>
+              <a:buClr>
+                <a:schemeClr val="accent1">
+                  <a:lumMod val="75000"/>
+                </a:schemeClr>
+              </a:buClr>
+              <a:buSzPct val="100000"/>
+              <a:buFont typeface="Arial" pitchFamily="34" charset="0"/>
+              <a:buChar char="▪"/>
+              <a:defRPr sz="2000" kern="1200">
+                <a:solidFill>
+                  <a:schemeClr val="tx1"/>
+                </a:solidFill>
+                <a:latin typeface="+mn-lt"/>
+                <a:ea typeface="+mn-ea"/>
+                <a:cs typeface="+mn-cs"/>
+              </a:defRPr>
+            </a:lvl1pPr>
+            <a:lvl2pPr marL="457200" indent="-182880" algn="l" defTabSz="914400" rtl="0" eaLnBrk="1" latinLnBrk="0" hangingPunct="1">
+              <a:lnSpc>
+                <a:spcPct val="90000"/>
+              </a:lnSpc>
+              <a:spcBef>
+                <a:spcPts val="1200"/>
+              </a:spcBef>
+              <a:buClr>
+                <a:schemeClr val="accent1">
+                  <a:lumMod val="75000"/>
+                </a:schemeClr>
+              </a:buClr>
+              <a:buSzPct val="100000"/>
+              <a:buFont typeface="Arial" pitchFamily="34" charset="0"/>
+              <a:buChar char="▪"/>
+              <a:defRPr sz="1800" kern="1200">
+                <a:solidFill>
+                  <a:schemeClr val="tx1"/>
+                </a:solidFill>
+                <a:latin typeface="+mn-lt"/>
+                <a:ea typeface="+mn-ea"/>
+                <a:cs typeface="+mn-cs"/>
+              </a:defRPr>
+            </a:lvl2pPr>
+            <a:lvl3pPr marL="685800" indent="-179388" algn="l" defTabSz="914400" rtl="0" eaLnBrk="1" latinLnBrk="0" hangingPunct="1">
+              <a:lnSpc>
+                <a:spcPct val="90000"/>
+              </a:lnSpc>
+              <a:spcBef>
+                <a:spcPts val="800"/>
+              </a:spcBef>
+              <a:buClr>
+                <a:schemeClr val="accent1">
+                  <a:lumMod val="75000"/>
+                </a:schemeClr>
+              </a:buClr>
+              <a:buSzPct val="100000"/>
+              <a:buFont typeface="Arial" pitchFamily="34" charset="0"/>
+              <a:buChar char="▪"/>
+              <a:defRPr sz="1600" kern="1200">
+                <a:solidFill>
+                  <a:schemeClr val="tx1"/>
+                </a:solidFill>
+                <a:latin typeface="+mn-lt"/>
+                <a:ea typeface="+mn-ea"/>
+                <a:cs typeface="+mn-cs"/>
+              </a:defRPr>
+            </a:lvl3pPr>
+            <a:lvl4pPr marL="914400" indent="-182880" algn="l" defTabSz="914400" rtl="0" eaLnBrk="1" latinLnBrk="0" hangingPunct="1">
+              <a:lnSpc>
+                <a:spcPct val="90000"/>
+              </a:lnSpc>
+              <a:spcBef>
+                <a:spcPts val="800"/>
+              </a:spcBef>
+              <a:buClr>
+                <a:schemeClr val="accent1">
+                  <a:lumMod val="75000"/>
+                </a:schemeClr>
+              </a:buClr>
+              <a:buSzPct val="100000"/>
+              <a:buFont typeface="Arial" pitchFamily="34" charset="0"/>
+              <a:buChar char="▪"/>
+              <a:defRPr sz="1400" kern="1200">
+                <a:solidFill>
+                  <a:schemeClr val="tx1"/>
+                </a:solidFill>
+                <a:latin typeface="+mn-lt"/>
+                <a:ea typeface="+mn-ea"/>
+                <a:cs typeface="+mn-cs"/>
+              </a:defRPr>
+            </a:lvl4pPr>
+            <a:lvl5pPr marL="1143000" indent="-179388" algn="l" defTabSz="914400" rtl="0" eaLnBrk="1" latinLnBrk="0" hangingPunct="1">
+              <a:lnSpc>
+                <a:spcPct val="90000"/>
+              </a:lnSpc>
+              <a:spcBef>
+                <a:spcPts val="600"/>
+              </a:spcBef>
+              <a:buClr>
+                <a:schemeClr val="accent1">
+                  <a:lumMod val="75000"/>
+                </a:schemeClr>
+              </a:buClr>
+              <a:buSzPct val="100000"/>
+              <a:buFont typeface="Arial" pitchFamily="34" charset="0"/>
+              <a:buChar char="▪"/>
+              <a:defRPr sz="1400" kern="1200">
+                <a:solidFill>
+                  <a:schemeClr val="tx1"/>
+                </a:solidFill>
+                <a:latin typeface="+mn-lt"/>
+                <a:ea typeface="+mn-ea"/>
+                <a:cs typeface="+mn-cs"/>
+              </a:defRPr>
+            </a:lvl5pPr>
+            <a:lvl6pPr marL="1371600" indent="-182880" algn="l" defTabSz="914400" rtl="0" eaLnBrk="1" latinLnBrk="0" hangingPunct="1">
+              <a:lnSpc>
+                <a:spcPct val="90000"/>
+              </a:lnSpc>
+              <a:spcBef>
+                <a:spcPts val="600"/>
+              </a:spcBef>
+              <a:buClr>
+                <a:schemeClr val="accent1">
+                  <a:lumMod val="75000"/>
+                </a:schemeClr>
+              </a:buClr>
+              <a:buSzPct val="100000"/>
+              <a:buFont typeface="Arial" pitchFamily="34" charset="0"/>
+              <a:buChar char="▪"/>
+              <a:defRPr sz="1400" kern="1200">
+                <a:solidFill>
+                  <a:schemeClr val="tx1"/>
+                </a:solidFill>
+                <a:latin typeface="+mn-lt"/>
+                <a:ea typeface="+mn-ea"/>
+                <a:cs typeface="+mn-cs"/>
+              </a:defRPr>
+            </a:lvl6pPr>
+            <a:lvl7pPr marL="1600200" indent="-179388" algn="l" defTabSz="914400" rtl="0" eaLnBrk="1" latinLnBrk="0" hangingPunct="1">
+              <a:lnSpc>
+                <a:spcPct val="90000"/>
+              </a:lnSpc>
+              <a:spcBef>
+                <a:spcPts val="600"/>
+              </a:spcBef>
+              <a:buClr>
+                <a:schemeClr val="accent1">
+                  <a:lumMod val="75000"/>
+                </a:schemeClr>
+              </a:buClr>
+              <a:buSzPct val="100000"/>
+              <a:buFont typeface="Arial" pitchFamily="34" charset="0"/>
+              <a:buChar char="▪"/>
+              <a:defRPr sz="1400" kern="1200">
+                <a:solidFill>
+                  <a:schemeClr val="tx1"/>
+                </a:solidFill>
+                <a:latin typeface="+mn-lt"/>
+                <a:ea typeface="+mn-ea"/>
+                <a:cs typeface="+mn-cs"/>
+              </a:defRPr>
+            </a:lvl7pPr>
+            <a:lvl8pPr marL="1828800" indent="-182880" algn="l" defTabSz="914400" rtl="0" eaLnBrk="1" latinLnBrk="0" hangingPunct="1">
+              <a:lnSpc>
+                <a:spcPct val="90000"/>
+              </a:lnSpc>
+              <a:spcBef>
+                <a:spcPts val="600"/>
+              </a:spcBef>
+              <a:buClr>
+                <a:schemeClr val="accent1">
+                  <a:lumMod val="75000"/>
+                </a:schemeClr>
+              </a:buClr>
+              <a:buSzPct val="100000"/>
+              <a:buFont typeface="Arial" pitchFamily="34" charset="0"/>
+              <a:buChar char="▪"/>
+              <a:defRPr sz="1400" kern="1200">
+                <a:solidFill>
+                  <a:schemeClr val="tx1"/>
+                </a:solidFill>
+                <a:latin typeface="+mn-lt"/>
+                <a:ea typeface="+mn-ea"/>
+                <a:cs typeface="+mn-cs"/>
+              </a:defRPr>
+            </a:lvl8pPr>
+            <a:lvl9pPr marL="1878012" indent="0" algn="l" defTabSz="914400" rtl="0" eaLnBrk="1" latinLnBrk="0" hangingPunct="1">
+              <a:lnSpc>
+                <a:spcPct val="90000"/>
+              </a:lnSpc>
+              <a:spcBef>
+                <a:spcPts val="600"/>
+              </a:spcBef>
+              <a:buClr>
+                <a:schemeClr val="accent1">
+                  <a:lumMod val="75000"/>
+                </a:schemeClr>
+              </a:buClr>
+              <a:buSzPct val="100000"/>
+              <a:buFont typeface="Arial" pitchFamily="34" charset="0"/>
+              <a:buNone/>
+              <a:defRPr sz="1400" kern="1200">
+                <a:solidFill>
+                  <a:schemeClr val="tx1"/>
+                </a:solidFill>
+                <a:latin typeface="+mn-lt"/>
+                <a:ea typeface="+mn-ea"/>
+                <a:cs typeface="+mn-cs"/>
+              </a:defRPr>
+            </a:lvl9pPr>
+          </a:lstStyle>
+          <a:p>
+            <a:pPr marL="0" indent="0">
+              <a:buNone/>
+            </a:pPr>
+            <a:r>
+              <a:rPr lang="en-US" sz="1600" b="1" dirty="0">
+                <a:solidFill>
+                  <a:schemeClr val="accent1"/>
+                </a:solidFill>
+              </a:rPr>
+              <a:t>5V domain</a:t>
             </a:r>
           </a:p>
         </p:txBody>
@@ -20288,14 +20603,14 @@
             <p:ph idx="1"/>
             <p:extLst>
               <p:ext uri="{D42A27DB-BD31-4B8C-83A1-F6EECF244321}">
-                <p14:modId xmlns:p14="http://schemas.microsoft.com/office/powerpoint/2010/main" val="1019472997"/>
+                <p14:modId xmlns:p14="http://schemas.microsoft.com/office/powerpoint/2010/main" val="1498465706"/>
               </p:ext>
             </p:extLst>
           </p:nvPr>
         </p:nvGraphicFramePr>
         <p:xfrm>
           <a:off x="609600" y="1295400"/>
-          <a:ext cx="10972800" cy="4348480"/>
+          <a:ext cx="10972800" cy="3708400"/>
         </p:xfrm>
         <a:graphic>
           <a:graphicData uri="http://schemas.openxmlformats.org/drawingml/2006/table">
@@ -20439,9 +20754,14 @@
                     <a:lstStyle/>
                     <a:p>
                       <a:r>
-                        <a:rPr lang="en-US" dirty="0"/>
-                        <a:t>Yes*</a:t>
+                        <a:rPr lang="en-US" b="1" dirty="0"/>
+                        <a:t>Yes</a:t>
                       </a:r>
+                      <a:r>
+                        <a:rPr lang="en-US" b="0" dirty="0"/>
+                        <a:t>*</a:t>
+                      </a:r>
+                      <a:endParaRPr lang="en-US" b="1" dirty="0"/>
                     </a:p>
                   </a:txBody>
                   <a:tcPr/>
@@ -20521,7 +20841,7 @@
                     <a:lstStyle/>
                     <a:p>
                       <a:r>
-                        <a:rPr lang="en-US" dirty="0"/>
+                        <a:rPr lang="en-US" b="1" dirty="0"/>
                         <a:t>Yes</a:t>
                       </a:r>
                     </a:p>
@@ -20611,7 +20931,7 @@
                     <a:lstStyle/>
                     <a:p>
                       <a:r>
-                        <a:rPr lang="en-US" dirty="0"/>
+                        <a:rPr lang="en-US" b="1" dirty="0"/>
                         <a:t>Yes</a:t>
                       </a:r>
                     </a:p>
@@ -20644,20 +20964,12 @@
                     <a:lstStyle/>
                     <a:p>
                       <a:r>
-                        <a:rPr lang="en-US" dirty="0" err="1">
-                          <a:solidFill>
-                            <a:schemeClr val="tx1"/>
-                          </a:solidFill>
-                        </a:rPr>
-                        <a:t>WiFi</a:t>
-                      </a:r>
-                      <a:r>
                         <a:rPr lang="en-US" dirty="0">
                           <a:solidFill>
                             <a:schemeClr val="tx1"/>
                           </a:solidFill>
                         </a:rPr>
-                        <a:t> micro USB female breakout adapter </a:t>
+                        <a:t>AHT10 temperature and humidity </a:t>
                       </a:r>
                       <a:r>
                         <a:rPr lang="en-US" i="0" dirty="0">
@@ -20665,7 +20977,7 @@
                             <a:schemeClr val="tx1"/>
                           </a:solidFill>
                         </a:rPr>
-                        <a:t>(</a:t>
+                        <a:t>sensor (</a:t>
                       </a:r>
                       <a:r>
                         <a:rPr lang="en-US" i="0" dirty="0">
@@ -20673,87 +20985,6 @@
                             <a:schemeClr val="tx1"/>
                           </a:solidFill>
                           <a:hlinkClick r:id="rId5">
-                            <a:extLst>
-                              <a:ext uri="{A12FA001-AC4F-418D-AE19-62706E023703}">
-                                <ahyp:hlinkClr xmlns:ahyp="http://schemas.microsoft.com/office/drawing/2018/hyperlinkcolor" val="tx"/>
-                              </a:ext>
-                            </a:extLst>
-                          </a:hlinkClick>
-                        </a:rPr>
-                        <a:t>Adafruit</a:t>
-                      </a:r>
-                      <a:r>
-                        <a:rPr lang="en-US" i="0" dirty="0">
-                          <a:solidFill>
-                            <a:schemeClr val="tx1"/>
-                          </a:solidFill>
-                        </a:rPr>
-                        <a:t>)</a:t>
-                      </a:r>
-                    </a:p>
-                  </a:txBody>
-                  <a:tcPr/>
-                </a:tc>
-                <a:tc>
-                  <a:txBody>
-                    <a:bodyPr/>
-                    <a:lstStyle/>
-                    <a:p>
-                      <a:r>
-                        <a:rPr lang="en-US" dirty="0"/>
-                        <a:t>Yes</a:t>
-                      </a:r>
-                    </a:p>
-                  </a:txBody>
-                  <a:tcPr/>
-                </a:tc>
-                <a:tc>
-                  <a:txBody>
-                    <a:bodyPr/>
-                    <a:lstStyle/>
-                    <a:p>
-                      <a:r>
-                        <a:rPr lang="en-US" b="0" dirty="0"/>
-                        <a:t>$1.95 (÷2)</a:t>
-                      </a:r>
-                    </a:p>
-                  </a:txBody>
-                  <a:tcPr/>
-                </a:tc>
-                <a:extLst>
-                  <a:ext uri="{0D108BD9-81ED-4DB2-BD59-A6C34878D82A}">
-                    <a16:rowId xmlns:a16="http://schemas.microsoft.com/office/drawing/2014/main" val="2337708406"/>
-                  </a:ext>
-                </a:extLst>
-              </a:tr>
-              <a:tr h="370840">
-                <a:tc>
-                  <a:txBody>
-                    <a:bodyPr/>
-                    <a:lstStyle/>
-                    <a:p>
-                      <a:r>
-                        <a:rPr lang="en-US" dirty="0">
-                          <a:solidFill>
-                            <a:schemeClr val="tx1"/>
-                          </a:solidFill>
-                        </a:rPr>
-                        <a:t>Male micro USB to female USB adapter </a:t>
-                      </a:r>
-                      <a:r>
-                        <a:rPr lang="en-US" i="0" dirty="0">
-                          <a:solidFill>
-                            <a:schemeClr val="tx1"/>
-                          </a:solidFill>
-                        </a:rPr>
-                        <a:t>(OEDK or </a:t>
-                      </a:r>
-                      <a:r>
-                        <a:rPr lang="en-US" i="0" dirty="0">
-                          <a:solidFill>
-                            <a:schemeClr val="tx1"/>
-                          </a:solidFill>
-                          <a:hlinkClick r:id="rId6">
                             <a:extLst>
                               <a:ext uri="{A12FA001-AC4F-418D-AE19-62706E023703}">
                                 <ahyp:hlinkClr xmlns:ahyp="http://schemas.microsoft.com/office/drawing/2018/hyperlinkcolor" val="tx"/>
@@ -20781,88 +21012,7 @@
                     <a:lstStyle/>
                     <a:p>
                       <a:r>
-                        <a:rPr lang="en-US" dirty="0"/>
-                        <a:t>Maybe</a:t>
-                      </a:r>
-                    </a:p>
-                  </a:txBody>
-                  <a:tcPr/>
-                </a:tc>
-                <a:tc>
-                  <a:txBody>
-                    <a:bodyPr/>
-                    <a:lstStyle/>
-                    <a:p>
-                      <a:r>
-                        <a:rPr lang="en-US" b="0" dirty="0"/>
-                        <a:t>$0 or $5.59</a:t>
-                      </a:r>
-                    </a:p>
-                  </a:txBody>
-                  <a:tcPr/>
-                </a:tc>
-                <a:extLst>
-                  <a:ext uri="{0D108BD9-81ED-4DB2-BD59-A6C34878D82A}">
-                    <a16:rowId xmlns:a16="http://schemas.microsoft.com/office/drawing/2014/main" val="1910938160"/>
-                  </a:ext>
-                </a:extLst>
-              </a:tr>
-              <a:tr h="370840">
-                <a:tc>
-                  <a:txBody>
-                    <a:bodyPr/>
-                    <a:lstStyle/>
-                    <a:p>
-                      <a:r>
-                        <a:rPr lang="en-US" dirty="0">
-                          <a:solidFill>
-                            <a:schemeClr val="tx1"/>
-                          </a:solidFill>
-                        </a:rPr>
-                        <a:t>Temperature and humidity </a:t>
-                      </a:r>
-                      <a:r>
-                        <a:rPr lang="en-US" i="0" dirty="0">
-                          <a:solidFill>
-                            <a:schemeClr val="tx1"/>
-                          </a:solidFill>
-                        </a:rPr>
-                        <a:t>sensor (</a:t>
-                      </a:r>
-                      <a:r>
-                        <a:rPr lang="en-US" i="0" dirty="0">
-                          <a:solidFill>
-                            <a:schemeClr val="tx1"/>
-                          </a:solidFill>
-                          <a:hlinkClick r:id="rId7">
-                            <a:extLst>
-                              <a:ext uri="{A12FA001-AC4F-418D-AE19-62706E023703}">
-                                <ahyp:hlinkClr xmlns:ahyp="http://schemas.microsoft.com/office/drawing/2018/hyperlinkcolor" val="tx"/>
-                              </a:ext>
-                            </a:extLst>
-                          </a:hlinkClick>
-                        </a:rPr>
-                        <a:t>Amazon</a:t>
-                      </a:r>
-                      <a:r>
-                        <a:rPr lang="en-US" i="0" dirty="0">
-                          <a:solidFill>
-                            <a:schemeClr val="tx1"/>
-                          </a:solidFill>
-                        </a:rPr>
-                        <a:t>)</a:t>
-                      </a:r>
-                    </a:p>
-                  </a:txBody>
-                  <a:tcPr/>
-                </a:tc>
-                <a:tc>
-                  <a:txBody>
-                    <a:bodyPr/>
-                    <a:lstStyle/>
-                    <a:p>
-                      <a:r>
-                        <a:rPr lang="en-US" dirty="0"/>
+                        <a:rPr lang="en-US" b="1" dirty="0"/>
                         <a:t>Yes</a:t>
                       </a:r>
                     </a:p>
@@ -20876,7 +21026,7 @@
                     <a:p>
                       <a:r>
                         <a:rPr lang="en-US" b="0" dirty="0"/>
-                        <a:t>$14.99 (÷10)</a:t>
+                        <a:t>$3.00 (for 2)</a:t>
                       </a:r>
                     </a:p>
                   </a:txBody>
@@ -20908,14 +21058,14 @@
                             <a:schemeClr val="tx1"/>
                           </a:solidFill>
                         </a:rPr>
-                        <a:t>(OEDK or </a:t>
+                        <a:t>(</a:t>
                       </a:r>
                       <a:r>
                         <a:rPr lang="en-US" i="0" dirty="0">
                           <a:solidFill>
                             <a:schemeClr val="tx1"/>
                           </a:solidFill>
-                          <a:hlinkClick r:id="rId8">
+                          <a:hlinkClick r:id="rId6">
                             <a:extLst>
                               <a:ext uri="{A12FA001-AC4F-418D-AE19-62706E023703}">
                                 <ahyp:hlinkClr xmlns:ahyp="http://schemas.microsoft.com/office/drawing/2018/hyperlinkcolor" val="tx"/>
@@ -20943,8 +21093,8 @@
                     <a:lstStyle/>
                     <a:p>
                       <a:r>
-                        <a:rPr lang="en-US" dirty="0"/>
-                        <a:t>Optional</a:t>
+                        <a:rPr lang="en-US" b="1" dirty="0"/>
+                        <a:t>Yes</a:t>
                       </a:r>
                     </a:p>
                   </a:txBody>
@@ -20957,7 +21107,7 @@
                     <a:p>
                       <a:r>
                         <a:rPr lang="en-US" b="0" dirty="0"/>
-                        <a:t>$0 or 2.00</a:t>
+                        <a:t>$2.00</a:t>
                       </a:r>
                     </a:p>
                   </a:txBody>
@@ -20966,66 +21116,6 @@
                 <a:extLst>
                   <a:ext uri="{0D108BD9-81ED-4DB2-BD59-A6C34878D82A}">
                     <a16:rowId xmlns:a16="http://schemas.microsoft.com/office/drawing/2014/main" val="544856987"/>
-                  </a:ext>
-                </a:extLst>
-              </a:tr>
-              <a:tr h="370840">
-                <a:tc>
-                  <a:txBody>
-                    <a:bodyPr/>
-                    <a:lstStyle/>
-                    <a:p>
-                      <a:r>
-                        <a:rPr lang="en-US" dirty="0"/>
-                        <a:t>Push button </a:t>
-                      </a:r>
-                      <a:r>
-                        <a:rPr lang="en-US" i="0" dirty="0"/>
-                        <a:t>(OEDK or </a:t>
-                      </a:r>
-                      <a:r>
-                        <a:rPr lang="en-US" i="0" dirty="0">
-                          <a:hlinkClick r:id="rId9"/>
-                        </a:rPr>
-                        <a:t>Adafruit</a:t>
-                      </a:r>
-                      <a:r>
-                        <a:rPr lang="en-US" i="0" dirty="0"/>
-                        <a:t>)</a:t>
-                      </a:r>
-                    </a:p>
-                  </a:txBody>
-                  <a:tcPr/>
-                </a:tc>
-                <a:tc>
-                  <a:txBody>
-                    <a:bodyPr/>
-                    <a:lstStyle/>
-                    <a:p>
-                      <a:r>
-                        <a:rPr lang="en-US" dirty="0"/>
-                        <a:t>Optional*</a:t>
-                      </a:r>
-                    </a:p>
-                  </a:txBody>
-                  <a:tcPr/>
-                </a:tc>
-                <a:tc>
-                  <a:txBody>
-                    <a:bodyPr/>
-                    <a:lstStyle/>
-                    <a:p>
-                      <a:r>
-                        <a:rPr lang="en-US" b="0" dirty="0"/>
-                        <a:t>$0 or $5.95</a:t>
-                      </a:r>
-                    </a:p>
-                  </a:txBody>
-                  <a:tcPr/>
-                </a:tc>
-                <a:extLst>
-                  <a:ext uri="{0D108BD9-81ED-4DB2-BD59-A6C34878D82A}">
-                    <a16:rowId xmlns:a16="http://schemas.microsoft.com/office/drawing/2014/main" val="4240882746"/>
                   </a:ext>
                 </a:extLst>
               </a:tr>
@@ -21063,7 +21153,7 @@
                     <a:p>
                       <a:r>
                         <a:rPr lang="en-US" b="0" dirty="0"/>
-                        <a:t>?</a:t>
+                        <a:t>TBD</a:t>
                       </a:r>
                     </a:p>
                   </a:txBody>
@@ -21072,6 +21162,124 @@
                 <a:extLst>
                   <a:ext uri="{0D108BD9-81ED-4DB2-BD59-A6C34878D82A}">
                     <a16:rowId xmlns:a16="http://schemas.microsoft.com/office/drawing/2014/main" val="3015375724"/>
+                  </a:ext>
+                </a:extLst>
+              </a:tr>
+              <a:tr h="370840">
+                <a:tc>
+                  <a:txBody>
+                    <a:bodyPr/>
+                    <a:lstStyle/>
+                    <a:p>
+                      <a:r>
+                        <a:rPr lang="en-US" dirty="0" err="1">
+                          <a:solidFill>
+                            <a:schemeClr val="tx1"/>
+                          </a:solidFill>
+                        </a:rPr>
+                        <a:t>WiFi</a:t>
+                      </a:r>
+                      <a:r>
+                        <a:rPr lang="en-US" dirty="0">
+                          <a:solidFill>
+                            <a:schemeClr val="tx1"/>
+                          </a:solidFill>
+                        </a:rPr>
+                        <a:t> micro USB female breakout adapter</a:t>
+                      </a:r>
+                      <a:endParaRPr lang="en-US" i="0" dirty="0">
+                        <a:solidFill>
+                          <a:schemeClr val="tx1"/>
+                        </a:solidFill>
+                      </a:endParaRPr>
+                    </a:p>
+                  </a:txBody>
+                  <a:tcPr/>
+                </a:tc>
+                <a:tc>
+                  <a:txBody>
+                    <a:bodyPr/>
+                    <a:lstStyle/>
+                    <a:p>
+                      <a:r>
+                        <a:rPr lang="en-US" dirty="0"/>
+                        <a:t>No</a:t>
+                      </a:r>
+                    </a:p>
+                  </a:txBody>
+                  <a:tcPr/>
+                </a:tc>
+                <a:tc>
+                  <a:txBody>
+                    <a:bodyPr/>
+                    <a:lstStyle/>
+                    <a:p>
+                      <a:r>
+                        <a:rPr lang="en-US" b="0" dirty="0"/>
+                        <a:t>N/A</a:t>
+                      </a:r>
+                    </a:p>
+                  </a:txBody>
+                  <a:tcPr/>
+                </a:tc>
+                <a:extLst>
+                  <a:ext uri="{0D108BD9-81ED-4DB2-BD59-A6C34878D82A}">
+                    <a16:rowId xmlns:a16="http://schemas.microsoft.com/office/drawing/2014/main" val="4261421475"/>
+                  </a:ext>
+                </a:extLst>
+              </a:tr>
+              <a:tr h="370840">
+                <a:tc>
+                  <a:txBody>
+                    <a:bodyPr/>
+                    <a:lstStyle/>
+                    <a:p>
+                      <a:r>
+                        <a:rPr lang="en-US" dirty="0">
+                          <a:solidFill>
+                            <a:schemeClr val="tx1"/>
+                          </a:solidFill>
+                        </a:rPr>
+                        <a:t>Male micro USB to female USB adapter</a:t>
+                      </a:r>
+                      <a:endParaRPr lang="en-US" i="0" dirty="0">
+                        <a:solidFill>
+                          <a:schemeClr val="tx1"/>
+                        </a:solidFill>
+                      </a:endParaRPr>
+                    </a:p>
+                  </a:txBody>
+                  <a:tcPr/>
+                </a:tc>
+                <a:tc>
+                  <a:txBody>
+                    <a:bodyPr/>
+                    <a:lstStyle/>
+                    <a:p>
+                      <a:r>
+                        <a:rPr lang="en-US" dirty="0"/>
+                        <a:t>No</a:t>
+                      </a:r>
+                    </a:p>
+                  </a:txBody>
+                  <a:tcPr/>
+                </a:tc>
+                <a:tc>
+                  <a:txBody>
+                    <a:bodyPr/>
+                    <a:lstStyle/>
+                    <a:p>
+                      <a:r>
+                        <a:rPr lang="en-US" b="0" dirty="0"/>
+                        <a:t>N/A</a:t>
+                      </a:r>
+                    </a:p>
+                  </a:txBody>
+                  <a:tcPr/>
+                </a:tc>
+                <a:extLst>
+                  <a:ext uri="{0D108BD9-81ED-4DB2-BD59-A6C34878D82A}">
+                    <a16:rowId xmlns:a16="http://schemas.microsoft.com/office/drawing/2014/main" val="1147390951"/>
                   </a:ext>
                 </a:extLst>
               </a:tr>
@@ -21376,7 +21584,7 @@
             </a:pPr>
             <a:r>
               <a:rPr lang="en-US" sz="1600" i="1" dirty="0"/>
-              <a:t>* Indicates that I am willing to cover or contribute to the cost.</a:t>
+              <a:t>* Indicates that I will cover the cost or can contribute to the cost.</a:t>
             </a:r>
             <a:endParaRPr lang="en-US" dirty="0"/>
           </a:p>
